--- a/docs/合图ZigBee主机Web管理后台使用说明书.pptx
+++ b/docs/合图ZigBee主机Web管理后台使用说明书.pptx
@@ -5926,10 +5926,10 @@
       </p:grpSpPr>
       <p:pic>
         <p:nvPicPr>
-          <p:cNvPr id="6" name="图片 5">
+          <p:cNvPr id="3" name="图片 2">
             <a:extLst>
               <a:ext uri="{FF2B5EF4-FFF2-40B4-BE49-F238E27FC236}">
-                <a16:creationId xmlns:a16="http://schemas.microsoft.com/office/drawing/2014/main" id="{1E5561C4-9CBB-4E27-B6F4-B7A24DB2462B}"/>
+                <a16:creationId xmlns:a16="http://schemas.microsoft.com/office/drawing/2014/main" id="{6CFE738C-D25F-4A9F-B10D-FE0135226589}"/>
               </a:ext>
             </a:extLst>
           </p:cNvPr>
@@ -5986,10 +5986,10 @@
       </p:grpSpPr>
       <p:pic>
         <p:nvPicPr>
-          <p:cNvPr id="3" name="图片 2">
+          <p:cNvPr id="4" name="图片 3">
             <a:extLst>
               <a:ext uri="{FF2B5EF4-FFF2-40B4-BE49-F238E27FC236}">
-                <a16:creationId xmlns:a16="http://schemas.microsoft.com/office/drawing/2014/main" id="{A68142E9-4B6A-4CE3-96AF-B5489CB0CA8B}"/>
+                <a16:creationId xmlns:a16="http://schemas.microsoft.com/office/drawing/2014/main" id="{FA60224F-EACF-4FED-B4D5-AD004683F3A1}"/>
               </a:ext>
             </a:extLst>
           </p:cNvPr>
